--- a/01-Lessions/Session-07-String/Session-07-String-Python.pptx
+++ b/01-Lessions/Session-07-String/Session-07-String-Python.pptx
@@ -219,7 +219,7 @@
           <a:p>
             <a:fld id="{E1BDF935-9821-4834-9D99-7DEFA719F44D}" type="datetimeFigureOut">
               <a:rPr lang="en-US" smtClean="0"/>
-              <a:t>11/10/2023</a:t>
+              <a:t>5/21/2024</a:t>
             </a:fld>
             <a:endParaRPr lang="en-US"/>
           </a:p>
@@ -2234,21 +2234,8 @@
                   <a:schemeClr val="bg1"/>
                 </a:solidFill>
               </a:rPr>
-              <a:t>BÀI </a:t>
-            </a:r>
-            <a:r>
-              <a:rPr lang="en-US" sz="3600" b="1" dirty="0">
-                <a:solidFill>
-                  <a:schemeClr val="bg1"/>
-                </a:solidFill>
-              </a:rPr>
-              <a:t>7</a:t>
-            </a:r>
-            <a:endParaRPr lang="en-US" sz="3600" b="1" dirty="0">
-              <a:solidFill>
-                <a:schemeClr val="bg1"/>
-              </a:solidFill>
-            </a:endParaRPr>
+              <a:t>BÀI 7</a:t>
+            </a:r>
           </a:p>
         </p:txBody>
       </p:sp>
@@ -2282,16 +2269,7 @@
                 </a:solidFill>
                 <a:ea typeface="Roboto" pitchFamily="2" charset="0"/>
               </a:rPr>
-              <a:t>String in </a:t>
-            </a:r>
-            <a:r>
-              <a:rPr lang="en-US" sz="4000" b="1" dirty="0" smtClean="0">
-                <a:solidFill>
-                  <a:schemeClr val="bg1"/>
-                </a:solidFill>
-                <a:ea typeface="Roboto" pitchFamily="2" charset="0"/>
-              </a:rPr>
-              <a:t>Python</a:t>
+              <a:t>String in Python</a:t>
             </a:r>
           </a:p>
           <a:p>
@@ -7960,14 +7938,6 @@
               </a:rPr>
               <a:t>47.95</a:t>
             </a:r>
-            <a:endParaRPr lang="en-US" dirty="0" smtClean="0">
-              <a:solidFill>
-                <a:schemeClr val="accent6">
-                  <a:lumMod val="60000"/>
-                  <a:lumOff val="40000"/>
-                </a:schemeClr>
-              </a:solidFill>
-            </a:endParaRPr>
           </a:p>
           <a:p>
             <a:r>
@@ -8474,18 +8444,7 @@
                   </a:schemeClr>
                 </a:solidFill>
               </a:rPr>
-              <a:t> </a:t>
-            </a:r>
-            <a:r>
-              <a:rPr lang="en-US" dirty="0" smtClean="0">
-                <a:solidFill>
-                  <a:schemeClr val="accent4">
-                    <a:lumMod val="60000"/>
-                    <a:lumOff val="40000"/>
-                  </a:schemeClr>
-                </a:solidFill>
-              </a:rPr>
-              <a:t>47.95 </a:t>
+              <a:t> 47.95 </a:t>
             </a:r>
             <a:r>
               <a:rPr lang="en-US" dirty="0" err="1" smtClean="0">
@@ -9977,14 +9936,6 @@
               </a:rPr>
               <a:t>47.95</a:t>
             </a:r>
-            <a:endParaRPr lang="en-US" dirty="0" smtClean="0">
-              <a:solidFill>
-                <a:schemeClr val="accent6">
-                  <a:lumMod val="60000"/>
-                  <a:lumOff val="40000"/>
-                </a:schemeClr>
-              </a:solidFill>
-            </a:endParaRPr>
           </a:p>
           <a:p>
             <a:r>
@@ -10491,18 +10442,7 @@
                   </a:schemeClr>
                 </a:solidFill>
               </a:rPr>
-              <a:t> </a:t>
-            </a:r>
-            <a:r>
-              <a:rPr lang="en-US" dirty="0" smtClean="0">
-                <a:solidFill>
-                  <a:schemeClr val="accent4">
-                    <a:lumMod val="60000"/>
-                    <a:lumOff val="40000"/>
-                  </a:schemeClr>
-                </a:solidFill>
-              </a:rPr>
-              <a:t>47.95 </a:t>
+              <a:t> 47.95 </a:t>
             </a:r>
             <a:r>
               <a:rPr lang="en-US" dirty="0" err="1" smtClean="0">
@@ -11126,14 +11066,6 @@
               </a:rPr>
               <a:t>47.95</a:t>
             </a:r>
-            <a:endParaRPr lang="en-US" dirty="0" smtClean="0">
-              <a:solidFill>
-                <a:schemeClr val="accent6">
-                  <a:lumMod val="60000"/>
-                  <a:lumOff val="40000"/>
-                </a:schemeClr>
-              </a:solidFill>
-            </a:endParaRPr>
           </a:p>
           <a:p>
             <a:r>
@@ -11640,18 +11572,7 @@
                   </a:schemeClr>
                 </a:solidFill>
               </a:rPr>
-              <a:t> </a:t>
-            </a:r>
-            <a:r>
-              <a:rPr lang="en-US" dirty="0" smtClean="0">
-                <a:solidFill>
-                  <a:schemeClr val="accent4">
-                    <a:lumMod val="60000"/>
-                    <a:lumOff val="40000"/>
-                  </a:schemeClr>
-                </a:solidFill>
-              </a:rPr>
-              <a:t>47.95 </a:t>
+              <a:t> 47.95 </a:t>
             </a:r>
             <a:r>
               <a:rPr lang="en-US" dirty="0" err="1" smtClean="0">
@@ -12279,14 +12200,6 @@
               </a:rPr>
               <a:t>47.95</a:t>
             </a:r>
-            <a:endParaRPr lang="en-US" dirty="0" smtClean="0">
-              <a:solidFill>
-                <a:schemeClr val="accent6">
-                  <a:lumMod val="60000"/>
-                  <a:lumOff val="40000"/>
-                </a:schemeClr>
-              </a:solidFill>
-            </a:endParaRPr>
           </a:p>
           <a:p>
             <a:r>
@@ -12793,18 +12706,7 @@
                   </a:schemeClr>
                 </a:solidFill>
               </a:rPr>
-              <a:t> </a:t>
-            </a:r>
-            <a:r>
-              <a:rPr lang="en-US" dirty="0" smtClean="0">
-                <a:solidFill>
-                  <a:schemeClr val="accent4">
-                    <a:lumMod val="60000"/>
-                    <a:lumOff val="40000"/>
-                  </a:schemeClr>
-                </a:solidFill>
-              </a:rPr>
-              <a:t>47.95 </a:t>
+              <a:t> 47.95 </a:t>
             </a:r>
             <a:r>
               <a:rPr lang="en-US" dirty="0" err="1" smtClean="0">
@@ -13440,14 +13342,6 @@
               </a:rPr>
               <a:t>47.95</a:t>
             </a:r>
-            <a:endParaRPr lang="en-US" dirty="0" smtClean="0">
-              <a:solidFill>
-                <a:schemeClr val="accent6">
-                  <a:lumMod val="60000"/>
-                  <a:lumOff val="40000"/>
-                </a:schemeClr>
-              </a:solidFill>
-            </a:endParaRPr>
           </a:p>
           <a:p>
             <a:r>
@@ -13954,18 +13848,7 @@
                   </a:schemeClr>
                 </a:solidFill>
               </a:rPr>
-              <a:t> </a:t>
-            </a:r>
-            <a:r>
-              <a:rPr lang="en-US" dirty="0" smtClean="0">
-                <a:solidFill>
-                  <a:schemeClr val="accent4">
-                    <a:lumMod val="60000"/>
-                    <a:lumOff val="40000"/>
-                  </a:schemeClr>
-                </a:solidFill>
-              </a:rPr>
-              <a:t>47.95 </a:t>
+              <a:t> 47.95 </a:t>
             </a:r>
             <a:r>
               <a:rPr lang="en-US" dirty="0" err="1" smtClean="0">
@@ -14593,14 +14476,6 @@
               </a:rPr>
               <a:t>47.95</a:t>
             </a:r>
-            <a:endParaRPr lang="en-US" dirty="0" smtClean="0">
-              <a:solidFill>
-                <a:schemeClr val="accent6">
-                  <a:lumMod val="60000"/>
-                  <a:lumOff val="40000"/>
-                </a:schemeClr>
-              </a:solidFill>
-            </a:endParaRPr>
           </a:p>
           <a:p>
             <a:r>
@@ -15107,18 +14982,7 @@
                   </a:schemeClr>
                 </a:solidFill>
               </a:rPr>
-              <a:t> </a:t>
-            </a:r>
-            <a:r>
-              <a:rPr lang="en-US" dirty="0" smtClean="0">
-                <a:solidFill>
-                  <a:schemeClr val="accent4">
-                    <a:lumMod val="60000"/>
-                    <a:lumOff val="40000"/>
-                  </a:schemeClr>
-                </a:solidFill>
-              </a:rPr>
-              <a:t>47.95 </a:t>
+              <a:t> 47.95 </a:t>
             </a:r>
             <a:r>
               <a:rPr lang="en-US" dirty="0" err="1" smtClean="0">
@@ -16435,14 +16299,6 @@
               </a:rPr>
               <a:t>47.95</a:t>
             </a:r>
-            <a:endParaRPr lang="en-US" dirty="0" smtClean="0">
-              <a:solidFill>
-                <a:schemeClr val="accent6">
-                  <a:lumMod val="60000"/>
-                  <a:lumOff val="40000"/>
-                </a:schemeClr>
-              </a:solidFill>
-            </a:endParaRPr>
           </a:p>
           <a:p>
             <a:r>
@@ -16949,18 +16805,7 @@
                   </a:schemeClr>
                 </a:solidFill>
               </a:rPr>
-              <a:t> </a:t>
-            </a:r>
-            <a:r>
-              <a:rPr lang="en-US" dirty="0" smtClean="0">
-                <a:solidFill>
-                  <a:schemeClr val="accent4">
-                    <a:lumMod val="60000"/>
-                    <a:lumOff val="40000"/>
-                  </a:schemeClr>
-                </a:solidFill>
-              </a:rPr>
-              <a:t>47.95 </a:t>
+              <a:t> 47.95 </a:t>
             </a:r>
             <a:r>
               <a:rPr lang="en-US" dirty="0" err="1" smtClean="0">
@@ -18523,12 +18368,21 @@
             </a:r>
             <a:r>
               <a:rPr lang="en-US" dirty="0" smtClean="0"/>
-              <a:t>:  https</a:t>
-            </a:r>
-            <a:r>
-              <a:rPr lang="en-US" dirty="0"/>
+              <a:t>:  </a:t>
+            </a:r>
+            <a:r>
+              <a:rPr lang="en-US" dirty="0" smtClean="0">
+                <a:hlinkClick r:id="rId3"/>
+              </a:rPr>
+              <a:t>https</a:t>
+            </a:r>
+            <a:r>
+              <a:rPr lang="en-US" dirty="0">
+                <a:hlinkClick r:id="rId3"/>
+              </a:rPr>
               <a:t>://www.w3schools.com/python/python_strings_methods.asp</a:t>
             </a:r>
+            <a:endParaRPr lang="en-US" dirty="0"/>
           </a:p>
         </p:txBody>
       </p:sp>
